--- a/Material/JavaEE_Jasper.pptx
+++ b/Material/JavaEE_Jasper.pptx
@@ -5,7 +5,7 @@
     <p:sldMasterId id="2147483660" r:id="rId1"/>
   </p:sldMasterIdLst>
   <p:notesMasterIdLst>
-    <p:notesMasterId r:id="rId43"/>
+    <p:notesMasterId r:id="rId45"/>
   </p:notesMasterIdLst>
   <p:sldIdLst>
     <p:sldId id="337" r:id="rId2"/>
@@ -46,9 +46,11 @@
     <p:sldId id="382" r:id="rId37"/>
     <p:sldId id="393" r:id="rId38"/>
     <p:sldId id="365" r:id="rId39"/>
-    <p:sldId id="384" r:id="rId40"/>
-    <p:sldId id="370" r:id="rId41"/>
-    <p:sldId id="371" r:id="rId42"/>
+    <p:sldId id="394" r:id="rId40"/>
+    <p:sldId id="395" r:id="rId41"/>
+    <p:sldId id="384" r:id="rId42"/>
+    <p:sldId id="370" r:id="rId43"/>
+    <p:sldId id="371" r:id="rId44"/>
   </p:sldIdLst>
   <p:sldSz cx="9144000" cy="6858000" type="screen4x3"/>
   <p:notesSz cx="6858000" cy="9144000"/>
@@ -249,7 +251,7 @@
             <a:fld id="{D49D8FC4-8308-499C-9E9F-9BF49296E4FF}" type="datetimeFigureOut">
               <a:rPr lang="en-US" smtClean="0"/>
               <a:pPr/>
-              <a:t>1/19/2016</a:t>
+              <a:t>1/20/2016</a:t>
             </a:fld>
             <a:endParaRPr lang="en-US"/>
           </a:p>
@@ -6134,11 +6136,7 @@
             </a:r>
             <a:r>
               <a:rPr lang="en-US" dirty="0" smtClean="0"/>
-              <a:t> visual (template</a:t>
-            </a:r>
-            <a:r>
-              <a:rPr lang="en-US" dirty="0" smtClean="0"/>
-              <a:t>) </a:t>
+              <a:t> visual (template) </a:t>
             </a:r>
             <a:r>
               <a:rPr lang="en-US" dirty="0" err="1" smtClean="0"/>
@@ -6172,7 +6170,6 @@
               <a:rPr lang="en-US" dirty="0" smtClean="0"/>
               <a:t> da API</a:t>
             </a:r>
-            <a:endParaRPr lang="en-US" dirty="0" smtClean="0"/>
           </a:p>
           <a:p>
             <a:pPr lvl="1"/>
@@ -6194,11 +6191,7 @@
             </a:r>
             <a:r>
               <a:rPr lang="en-US" dirty="0" smtClean="0"/>
-              <a:t> (</a:t>
-            </a:r>
-            <a:r>
-              <a:rPr lang="en-US" dirty="0" smtClean="0"/>
-              <a:t>JR)XML</a:t>
+              <a:t> (JR)XML</a:t>
             </a:r>
           </a:p>
           <a:p>
@@ -6442,11 +6435,7 @@
             </a:r>
             <a:r>
               <a:rPr lang="en-US" dirty="0" smtClean="0"/>
-              <a:t> para </a:t>
-            </a:r>
-            <a:r>
-              <a:rPr lang="en-US" dirty="0" smtClean="0"/>
-              <a:t>PDF </a:t>
+              <a:t> para PDF </a:t>
             </a:r>
             <a:r>
               <a:rPr lang="en-US" dirty="0" err="1" smtClean="0"/>
@@ -6658,7 +6647,6 @@
               <a:rPr lang="en-US" dirty="0" smtClean="0"/>
               <a:t> Ad Hoc</a:t>
             </a:r>
-            <a:endParaRPr lang="en-US" dirty="0" smtClean="0"/>
           </a:p>
         </p:txBody>
       </p:sp>
@@ -8203,8 +8191,35 @@
             <a:pPr lvl="2"/>
             <a:r>
               <a:rPr lang="pt-BR" dirty="0" smtClean="0"/>
-              <a:t>$R{ } – referencia recursos de um pacote</a:t>
-            </a:r>
+              <a:t>$R{ } – referencia recursos de um </a:t>
+            </a:r>
+            <a:r>
+              <a:rPr lang="pt-BR" dirty="0" smtClean="0"/>
+              <a:t>pacote</a:t>
+            </a:r>
+          </a:p>
+          <a:p>
+            <a:pPr lvl="2"/>
+            <a:r>
+              <a:rPr lang="pt-BR" dirty="0" smtClean="0"/>
+              <a:t>$P!{ } – utilizado em consultas SQL dinâmicas e representa um pedaço do comando SQL</a:t>
+            </a:r>
+          </a:p>
+          <a:p>
+            <a:pPr lvl="2"/>
+            <a:r>
+              <a:rPr lang="pt-BR" dirty="0" smtClean="0"/>
+              <a:t>$X{ } – utilizado em consultas SQL dinâmicas e representa uma cláusula SQL gerada a partir de elementos pré-definidos como EQUAL, NOTEQUAL, LESS, LESS], GREATER, [GREATER, IN, NOTIN</a:t>
+            </a:r>
+            <a:r>
+              <a:rPr lang="pt-BR" dirty="0"/>
+              <a:t>, BETWEEN, </a:t>
+            </a:r>
+            <a:r>
+              <a:rPr lang="pt-BR" dirty="0" smtClean="0"/>
+              <a:t>BETWEEN], [BETWEEN, [BETWEEN]</a:t>
+            </a:r>
+            <a:endParaRPr lang="pt-BR" dirty="0" smtClean="0"/>
           </a:p>
         </p:txBody>
       </p:sp>
@@ -8281,13 +8296,8 @@
           <a:p>
             <a:r>
               <a:rPr lang="pt-BR" dirty="0" smtClean="0"/>
-              <a:t>Estrutura do </a:t>
-            </a:r>
-            <a:r>
-              <a:rPr lang="pt-BR" dirty="0" smtClean="0"/>
-              <a:t>relatório</a:t>
-            </a:r>
-            <a:endParaRPr lang="pt-BR" dirty="0" smtClean="0"/>
+              <a:t>Estrutura do relatório</a:t>
+            </a:r>
           </a:p>
         </p:txBody>
       </p:sp>
@@ -8330,7 +8340,6 @@
               <a:rPr lang="pt-BR" dirty="0" smtClean="0"/>
               <a:t>:</a:t>
             </a:r>
-            <a:endParaRPr lang="pt-BR" dirty="0" smtClean="0"/>
           </a:p>
           <a:p>
             <a:pPr lvl="1"/>
@@ -8354,7 +8363,6 @@
               <a:rPr lang="pt-BR" dirty="0" smtClean="0"/>
               <a:t>)</a:t>
             </a:r>
-            <a:endParaRPr lang="pt-BR" dirty="0" smtClean="0"/>
           </a:p>
           <a:p>
             <a:pPr lvl="1"/>
@@ -11233,11 +11241,7 @@
             </a:r>
             <a:r>
               <a:rPr lang="en-US" dirty="0" smtClean="0"/>
-              <a:t> </a:t>
-            </a:r>
-            <a:r>
-              <a:rPr lang="en-US" dirty="0" smtClean="0"/>
-              <a:t>do </a:t>
+              <a:t> do </a:t>
             </a:r>
             <a:r>
               <a:rPr lang="en-US" dirty="0" err="1" smtClean="0"/>
@@ -11264,7 +11268,25 @@
           <a:p>
             <a:r>
               <a:rPr lang="pt-BR" dirty="0" smtClean="0"/>
-              <a:t>Fontes de dados</a:t>
+              <a:t>Parâmetros</a:t>
+            </a:r>
+          </a:p>
+          <a:p>
+            <a:pPr lvl="1"/>
+            <a:r>
+              <a:rPr lang="pt-BR" dirty="0" smtClean="0"/>
+              <a:t>Um relatório pode possuir uma coleção de parâmetros que devem ser fornecidos</a:t>
+            </a:r>
+            <a:endParaRPr lang="pt-BR" dirty="0" smtClean="0"/>
+          </a:p>
+          <a:p>
+            <a:r>
+              <a:rPr lang="pt-BR" dirty="0" smtClean="0"/>
+              <a:t>Fontes </a:t>
+            </a:r>
+            <a:r>
+              <a:rPr lang="pt-BR" dirty="0" smtClean="0"/>
+              <a:t>de dados</a:t>
             </a:r>
           </a:p>
           <a:p>
@@ -11638,8 +11660,16 @@
           <a:lstStyle/>
           <a:p>
             <a:r>
-              <a:rPr lang="pt-BR" dirty="0" smtClean="0"/>
-              <a:t>Geração do relatório</a:t>
+              <a:rPr lang="en-US" dirty="0" err="1"/>
+              <a:t>Preenchimento</a:t>
+            </a:r>
+            <a:r>
+              <a:rPr lang="en-US" dirty="0"/>
+              <a:t> do </a:t>
+            </a:r>
+            <a:r>
+              <a:rPr lang="en-US" dirty="0" err="1"/>
+              <a:t>relatório</a:t>
             </a:r>
             <a:endParaRPr lang="pt-BR" dirty="0"/>
           </a:p>
@@ -11647,108 +11677,7 @@
       </p:sp>
       <p:sp>
         <p:nvSpPr>
-          <p:cNvPr id="3" name="Espaço Reservado para Conteúdo 2"/>
-          <p:cNvSpPr>
-            <a:spLocks noGrp="1"/>
-          </p:cNvSpPr>
-          <p:nvPr>
-            <p:ph idx="1"/>
-          </p:nvPr>
-        </p:nvSpPr>
-        <p:spPr/>
-        <p:txBody>
-          <a:bodyPr/>
-          <a:lstStyle/>
-          <a:p>
-            <a:r>
-              <a:rPr lang="pt-BR" dirty="0" smtClean="0"/>
-              <a:t>Objeto </a:t>
-            </a:r>
-            <a:r>
-              <a:rPr lang="pt-BR" i="1" dirty="0" err="1" smtClean="0"/>
-              <a:t>JasperPrint</a:t>
-            </a:r>
-            <a:r>
-              <a:rPr lang="pt-BR" dirty="0" smtClean="0"/>
-              <a:t> pode ser serializado </a:t>
-            </a:r>
-            <a:r>
-              <a:rPr lang="pt-BR" i="1" dirty="0" smtClean="0"/>
-              <a:t>(</a:t>
-            </a:r>
-            <a:r>
-              <a:rPr lang="pt-BR" i="1" dirty="0" err="1" smtClean="0"/>
-              <a:t>JRSaver</a:t>
-            </a:r>
-            <a:r>
-              <a:rPr lang="pt-BR" dirty="0"/>
-              <a:t> </a:t>
-            </a:r>
-            <a:r>
-              <a:rPr lang="pt-BR" dirty="0" smtClean="0"/>
-              <a:t>e </a:t>
-            </a:r>
-            <a:r>
-              <a:rPr lang="pt-BR" i="1" dirty="0" err="1" smtClean="0"/>
-              <a:t>JRLoader</a:t>
-            </a:r>
-            <a:r>
-              <a:rPr lang="pt-BR" i="1" dirty="0" smtClean="0"/>
-              <a:t>),</a:t>
-            </a:r>
-            <a:r>
-              <a:rPr lang="pt-BR" dirty="0" smtClean="0"/>
-              <a:t> impresso (</a:t>
-            </a:r>
-            <a:r>
-              <a:rPr lang="pt-BR" i="1" dirty="0" err="1" smtClean="0"/>
-              <a:t>JasperPrintManager</a:t>
-            </a:r>
-            <a:r>
-              <a:rPr lang="pt-BR" dirty="0" smtClean="0"/>
-              <a:t>) ou exportado (</a:t>
-            </a:r>
-            <a:r>
-              <a:rPr lang="pt-BR" i="1" dirty="0" err="1" smtClean="0"/>
-              <a:t>JasperExportManager</a:t>
-            </a:r>
-            <a:r>
-              <a:rPr lang="pt-BR" dirty="0" smtClean="0"/>
-              <a:t> e </a:t>
-            </a:r>
-            <a:r>
-              <a:rPr lang="pt-BR" i="1" dirty="0" err="1" smtClean="0"/>
-              <a:t>JRExporter</a:t>
-            </a:r>
-            <a:r>
-              <a:rPr lang="pt-BR" dirty="0" smtClean="0"/>
-              <a:t>) para diferentes formatos tais como PDF, HTML, RTF, XLS, ODT, CSV, XML, </a:t>
-            </a:r>
-            <a:r>
-              <a:rPr lang="pt-BR" dirty="0" err="1" smtClean="0"/>
-              <a:t>etc</a:t>
-            </a:r>
-            <a:endParaRPr lang="pt-BR" dirty="0" smtClean="0"/>
-          </a:p>
-          <a:p>
-            <a:r>
-              <a:rPr lang="pt-BR" dirty="0" smtClean="0"/>
-              <a:t>Pacote </a:t>
-            </a:r>
-            <a:r>
-              <a:rPr lang="pt-BR" i="1" dirty="0" err="1" smtClean="0"/>
-              <a:t>net.sf.jasperreports.engine.export</a:t>
-            </a:r>
-            <a:r>
-              <a:rPr lang="pt-BR" dirty="0" smtClean="0"/>
-              <a:t> contem as diversas implementações de exportadores padrão</a:t>
-            </a:r>
-          </a:p>
-        </p:txBody>
-      </p:sp>
-      <p:sp>
-        <p:nvSpPr>
-          <p:cNvPr id="4" name="Espaço Reservado para Número de Slide 3"/>
+          <p:cNvPr id="3" name="Espaço Reservado para Número de Slide 2"/>
           <p:cNvSpPr>
             <a:spLocks noGrp="1"/>
           </p:cNvSpPr>
@@ -11770,10 +11699,34 @@
           </a:p>
         </p:txBody>
       </p:sp>
+      <p:pic>
+        <p:nvPicPr>
+          <p:cNvPr id="4" name="Imagem 3"/>
+          <p:cNvPicPr>
+            <a:picLocks noChangeAspect="1"/>
+          </p:cNvPicPr>
+          <p:nvPr/>
+        </p:nvPicPr>
+        <p:blipFill>
+          <a:blip r:embed="rId2"/>
+          <a:stretch>
+            <a:fillRect/>
+          </a:stretch>
+        </p:blipFill>
+        <p:spPr>
+          <a:xfrm>
+            <a:off x="1033462" y="1709928"/>
+            <a:ext cx="7077075" cy="3648075"/>
+          </a:xfrm>
+          <a:prstGeom prst="rect">
+            <a:avLst/>
+          </a:prstGeom>
+        </p:spPr>
+      </p:pic>
     </p:spTree>
     <p:extLst>
       <p:ext uri="{BB962C8B-B14F-4D97-AF65-F5344CB8AC3E}">
-        <p14:creationId xmlns:p14="http://schemas.microsoft.com/office/powerpoint/2010/main" val="2823447054"/>
+        <p14:creationId xmlns:p14="http://schemas.microsoft.com/office/powerpoint/2010/main" val="252622540"/>
       </p:ext>
     </p:extLst>
   </p:cSld>
@@ -11920,29 +11873,102 @@
           <a:lstStyle/>
           <a:p>
             <a:r>
-              <a:rPr lang="pt-BR" dirty="0" smtClean="0"/>
-              <a:t>Exemplos adicionais</a:t>
-            </a:r>
-            <a:endParaRPr lang="en-US" dirty="0"/>
-          </a:p>
-        </p:txBody>
-      </p:sp>
-      <p:sp>
-        <p:nvSpPr>
-          <p:cNvPr id="3" name="Espaço Reservado para Texto 2"/>
-          <p:cNvSpPr>
-            <a:spLocks noGrp="1"/>
-          </p:cNvSpPr>
-          <p:nvPr>
-            <p:ph type="body" idx="1"/>
-          </p:nvPr>
-        </p:nvSpPr>
-        <p:spPr/>
-        <p:txBody>
-          <a:bodyPr/>
-          <a:lstStyle/>
-          <a:p>
-            <a:endParaRPr lang="en-US"/>
+              <a:rPr lang="en-US" dirty="0" err="1"/>
+              <a:t>Preenchimento</a:t>
+            </a:r>
+            <a:r>
+              <a:rPr lang="en-US" dirty="0"/>
+              <a:t> do </a:t>
+            </a:r>
+            <a:r>
+              <a:rPr lang="en-US" dirty="0" err="1"/>
+              <a:t>relatório</a:t>
+            </a:r>
+            <a:endParaRPr lang="pt-BR" dirty="0"/>
+          </a:p>
+        </p:txBody>
+      </p:sp>
+      <p:sp>
+        <p:nvSpPr>
+          <p:cNvPr id="3" name="Espaço Reservado para Conteúdo 2"/>
+          <p:cNvSpPr>
+            <a:spLocks noGrp="1"/>
+          </p:cNvSpPr>
+          <p:nvPr>
+            <p:ph idx="1"/>
+          </p:nvPr>
+        </p:nvSpPr>
+        <p:spPr/>
+        <p:txBody>
+          <a:bodyPr/>
+          <a:lstStyle/>
+          <a:p>
+            <a:r>
+              <a:rPr lang="pt-BR" dirty="0" err="1" smtClean="0"/>
+              <a:t>DataSets</a:t>
+            </a:r>
+            <a:r>
+              <a:rPr lang="pt-BR" dirty="0" smtClean="0"/>
+              <a:t>:</a:t>
+            </a:r>
+          </a:p>
+          <a:p>
+            <a:pPr lvl="1"/>
+            <a:r>
+              <a:rPr lang="pt-BR" dirty="0" smtClean="0"/>
+              <a:t>Um </a:t>
+            </a:r>
+            <a:r>
+              <a:rPr lang="pt-BR" dirty="0" err="1" smtClean="0"/>
+              <a:t>dataset</a:t>
+            </a:r>
+            <a:r>
+              <a:rPr lang="pt-BR" dirty="0" smtClean="0"/>
+              <a:t> pode ser entendido como uma tabela de dados</a:t>
+            </a:r>
+          </a:p>
+          <a:p>
+            <a:pPr lvl="1"/>
+            <a:r>
+              <a:rPr lang="pt-BR" dirty="0" smtClean="0"/>
+              <a:t>Todo relatório possui um </a:t>
+            </a:r>
+            <a:r>
+              <a:rPr lang="pt-BR" dirty="0" err="1" smtClean="0"/>
+              <a:t>dataset</a:t>
+            </a:r>
+            <a:r>
+              <a:rPr lang="pt-BR" dirty="0" smtClean="0"/>
+              <a:t> principal criado e associado aos campos do relatório com base no </a:t>
+            </a:r>
+            <a:r>
+              <a:rPr lang="pt-BR" dirty="0" err="1" smtClean="0"/>
+              <a:t>datasource</a:t>
+            </a:r>
+            <a:endParaRPr lang="pt-BR" dirty="0" smtClean="0"/>
+          </a:p>
+          <a:p>
+            <a:pPr lvl="1"/>
+            <a:r>
+              <a:rPr lang="pt-BR" dirty="0" smtClean="0"/>
+              <a:t>Pode-se criar vários </a:t>
+            </a:r>
+            <a:r>
+              <a:rPr lang="pt-BR" dirty="0" err="1" smtClean="0"/>
+              <a:t>datasets</a:t>
+            </a:r>
+            <a:r>
+              <a:rPr lang="pt-BR" dirty="0" smtClean="0"/>
+              <a:t> dentro de um relatório, cada qual com conjuntos diferentes de colunas</a:t>
+            </a:r>
+          </a:p>
+          <a:p>
+            <a:pPr lvl="2"/>
+            <a:r>
+              <a:rPr lang="pt-BR" dirty="0" smtClean="0"/>
+              <a:t>Muito utilizado para criar colunas com valores resultantes de expressões a serem computadas</a:t>
+            </a:r>
+            <a:endParaRPr lang="pt-BR" dirty="0"/>
           </a:p>
         </p:txBody>
       </p:sp>
@@ -11961,14 +11987,9 @@
           <a:bodyPr/>
           <a:lstStyle/>
           <a:p>
-            <a:pPr>
-              <a:defRPr/>
-            </a:pPr>
-            <a:fld id="{36FEFCDB-03B4-49B7-B5C8-B3567A47441F}" type="slidenum">
+            <a:fld id="{4DC11654-5927-41F9-BFAC-4FC319222E79}" type="slidenum">
               <a:rPr lang="en-US" smtClean="0"/>
-              <a:pPr>
-                <a:defRPr/>
-              </a:pPr>
+              <a:pPr/>
               <a:t>40</a:t>
             </a:fld>
             <a:endParaRPr lang="en-US"/>
@@ -11978,7 +11999,7 @@
     </p:spTree>
     <p:extLst>
       <p:ext uri="{BB962C8B-B14F-4D97-AF65-F5344CB8AC3E}">
-        <p14:creationId xmlns:p14="http://schemas.microsoft.com/office/powerpoint/2010/main" val="99487985"/>
+        <p14:creationId xmlns:p14="http://schemas.microsoft.com/office/powerpoint/2010/main" val="1697744002"/>
       </p:ext>
     </p:extLst>
   </p:cSld>
@@ -12021,6 +12042,285 @@
           <a:lstStyle/>
           <a:p>
             <a:r>
+              <a:rPr lang="pt-BR" dirty="0" smtClean="0"/>
+              <a:t>Geração do relatório</a:t>
+            </a:r>
+            <a:endParaRPr lang="pt-BR" dirty="0"/>
+          </a:p>
+        </p:txBody>
+      </p:sp>
+      <p:sp>
+        <p:nvSpPr>
+          <p:cNvPr id="3" name="Espaço Reservado para Conteúdo 2"/>
+          <p:cNvSpPr>
+            <a:spLocks noGrp="1"/>
+          </p:cNvSpPr>
+          <p:nvPr>
+            <p:ph idx="1"/>
+          </p:nvPr>
+        </p:nvSpPr>
+        <p:spPr/>
+        <p:txBody>
+          <a:bodyPr/>
+          <a:lstStyle/>
+          <a:p>
+            <a:r>
+              <a:rPr lang="pt-BR" dirty="0" smtClean="0"/>
+              <a:t>Objeto </a:t>
+            </a:r>
+            <a:r>
+              <a:rPr lang="pt-BR" i="1" dirty="0" err="1" smtClean="0"/>
+              <a:t>JasperPrint</a:t>
+            </a:r>
+            <a:r>
+              <a:rPr lang="pt-BR" dirty="0" smtClean="0"/>
+              <a:t> pode ser serializado </a:t>
+            </a:r>
+            <a:r>
+              <a:rPr lang="pt-BR" i="1" dirty="0" smtClean="0"/>
+              <a:t>(</a:t>
+            </a:r>
+            <a:r>
+              <a:rPr lang="pt-BR" i="1" dirty="0" err="1" smtClean="0"/>
+              <a:t>JRSaver</a:t>
+            </a:r>
+            <a:r>
+              <a:rPr lang="pt-BR" dirty="0"/>
+              <a:t> </a:t>
+            </a:r>
+            <a:r>
+              <a:rPr lang="pt-BR" dirty="0" smtClean="0"/>
+              <a:t>e </a:t>
+            </a:r>
+            <a:r>
+              <a:rPr lang="pt-BR" i="1" dirty="0" err="1" smtClean="0"/>
+              <a:t>JRLoader</a:t>
+            </a:r>
+            <a:r>
+              <a:rPr lang="pt-BR" i="1" dirty="0" smtClean="0"/>
+              <a:t>),</a:t>
+            </a:r>
+            <a:r>
+              <a:rPr lang="pt-BR" dirty="0" smtClean="0"/>
+              <a:t> impresso (</a:t>
+            </a:r>
+            <a:r>
+              <a:rPr lang="pt-BR" i="1" dirty="0" err="1" smtClean="0"/>
+              <a:t>JasperPrintManager</a:t>
+            </a:r>
+            <a:r>
+              <a:rPr lang="pt-BR" dirty="0" smtClean="0"/>
+              <a:t>) ou exportado (</a:t>
+            </a:r>
+            <a:r>
+              <a:rPr lang="pt-BR" i="1" dirty="0" err="1" smtClean="0"/>
+              <a:t>JasperExportManager</a:t>
+            </a:r>
+            <a:r>
+              <a:rPr lang="pt-BR" dirty="0" smtClean="0"/>
+              <a:t> e </a:t>
+            </a:r>
+            <a:r>
+              <a:rPr lang="pt-BR" i="1" dirty="0" err="1" smtClean="0"/>
+              <a:t>JRExporter</a:t>
+            </a:r>
+            <a:r>
+              <a:rPr lang="pt-BR" dirty="0" smtClean="0"/>
+              <a:t>) para diferentes formatos tais como PDF, HTML, RTF, XLS, ODT, CSV, XML, </a:t>
+            </a:r>
+            <a:r>
+              <a:rPr lang="pt-BR" dirty="0" err="1" smtClean="0"/>
+              <a:t>etc</a:t>
+            </a:r>
+            <a:endParaRPr lang="pt-BR" dirty="0" smtClean="0"/>
+          </a:p>
+          <a:p>
+            <a:r>
+              <a:rPr lang="pt-BR" dirty="0" smtClean="0"/>
+              <a:t>Pacote </a:t>
+            </a:r>
+            <a:r>
+              <a:rPr lang="pt-BR" i="1" dirty="0" err="1" smtClean="0"/>
+              <a:t>net.sf.jasperreports.engine.export</a:t>
+            </a:r>
+            <a:r>
+              <a:rPr lang="pt-BR" dirty="0" smtClean="0"/>
+              <a:t> contem as diversas implementações de exportadores padrão</a:t>
+            </a:r>
+          </a:p>
+        </p:txBody>
+      </p:sp>
+      <p:sp>
+        <p:nvSpPr>
+          <p:cNvPr id="4" name="Espaço Reservado para Número de Slide 3"/>
+          <p:cNvSpPr>
+            <a:spLocks noGrp="1"/>
+          </p:cNvSpPr>
+          <p:nvPr>
+            <p:ph type="sldNum" sz="quarter" idx="12"/>
+          </p:nvPr>
+        </p:nvSpPr>
+        <p:spPr/>
+        <p:txBody>
+          <a:bodyPr/>
+          <a:lstStyle/>
+          <a:p>
+            <a:fld id="{4DC11654-5927-41F9-BFAC-4FC319222E79}" type="slidenum">
+              <a:rPr lang="en-US" smtClean="0"/>
+              <a:pPr/>
+              <a:t>41</a:t>
+            </a:fld>
+            <a:endParaRPr lang="en-US"/>
+          </a:p>
+        </p:txBody>
+      </p:sp>
+    </p:spTree>
+    <p:extLst>
+      <p:ext uri="{BB962C8B-B14F-4D97-AF65-F5344CB8AC3E}">
+        <p14:creationId xmlns:p14="http://schemas.microsoft.com/office/powerpoint/2010/main" val="2823447054"/>
+      </p:ext>
+    </p:extLst>
+  </p:cSld>
+  <p:clrMapOvr>
+    <a:masterClrMapping/>
+  </p:clrMapOvr>
+</p:sld>
+</file>
+
+<file path=ppt/slides/slide42.xml><?xml version="1.0" encoding="utf-8"?>
+<p:sld xmlns:a="http://schemas.openxmlformats.org/drawingml/2006/main" xmlns:r="http://schemas.openxmlformats.org/officeDocument/2006/relationships" xmlns:p="http://schemas.openxmlformats.org/presentationml/2006/main">
+  <p:cSld>
+    <p:spTree>
+      <p:nvGrpSpPr>
+        <p:cNvPr id="1" name=""/>
+        <p:cNvGrpSpPr/>
+        <p:nvPr/>
+      </p:nvGrpSpPr>
+      <p:grpSpPr>
+        <a:xfrm>
+          <a:off x="0" y="0"/>
+          <a:ext cx="0" cy="0"/>
+          <a:chOff x="0" y="0"/>
+          <a:chExt cx="0" cy="0"/>
+        </a:xfrm>
+      </p:grpSpPr>
+      <p:sp>
+        <p:nvSpPr>
+          <p:cNvPr id="2" name="Título 1"/>
+          <p:cNvSpPr>
+            <a:spLocks noGrp="1"/>
+          </p:cNvSpPr>
+          <p:nvPr>
+            <p:ph type="title"/>
+          </p:nvPr>
+        </p:nvSpPr>
+        <p:spPr/>
+        <p:txBody>
+          <a:bodyPr/>
+          <a:lstStyle/>
+          <a:p>
+            <a:r>
+              <a:rPr lang="pt-BR" dirty="0" smtClean="0"/>
+              <a:t>Exemplos adicionais</a:t>
+            </a:r>
+            <a:endParaRPr lang="en-US" dirty="0"/>
+          </a:p>
+        </p:txBody>
+      </p:sp>
+      <p:sp>
+        <p:nvSpPr>
+          <p:cNvPr id="3" name="Espaço Reservado para Texto 2"/>
+          <p:cNvSpPr>
+            <a:spLocks noGrp="1"/>
+          </p:cNvSpPr>
+          <p:nvPr>
+            <p:ph type="body" idx="1"/>
+          </p:nvPr>
+        </p:nvSpPr>
+        <p:spPr/>
+        <p:txBody>
+          <a:bodyPr/>
+          <a:lstStyle/>
+          <a:p>
+            <a:endParaRPr lang="en-US"/>
+          </a:p>
+        </p:txBody>
+      </p:sp>
+      <p:sp>
+        <p:nvSpPr>
+          <p:cNvPr id="4" name="Espaço Reservado para Número de Slide 3"/>
+          <p:cNvSpPr>
+            <a:spLocks noGrp="1"/>
+          </p:cNvSpPr>
+          <p:nvPr>
+            <p:ph type="sldNum" sz="quarter" idx="12"/>
+          </p:nvPr>
+        </p:nvSpPr>
+        <p:spPr/>
+        <p:txBody>
+          <a:bodyPr/>
+          <a:lstStyle/>
+          <a:p>
+            <a:pPr>
+              <a:defRPr/>
+            </a:pPr>
+            <a:fld id="{36FEFCDB-03B4-49B7-B5C8-B3567A47441F}" type="slidenum">
+              <a:rPr lang="en-US" smtClean="0"/>
+              <a:pPr>
+                <a:defRPr/>
+              </a:pPr>
+              <a:t>42</a:t>
+            </a:fld>
+            <a:endParaRPr lang="en-US"/>
+          </a:p>
+        </p:txBody>
+      </p:sp>
+    </p:spTree>
+    <p:extLst>
+      <p:ext uri="{BB962C8B-B14F-4D97-AF65-F5344CB8AC3E}">
+        <p14:creationId xmlns:p14="http://schemas.microsoft.com/office/powerpoint/2010/main" val="99487985"/>
+      </p:ext>
+    </p:extLst>
+  </p:cSld>
+  <p:clrMapOvr>
+    <a:masterClrMapping/>
+  </p:clrMapOvr>
+</p:sld>
+</file>
+
+<file path=ppt/slides/slide43.xml><?xml version="1.0" encoding="utf-8"?>
+<p:sld xmlns:a="http://schemas.openxmlformats.org/drawingml/2006/main" xmlns:r="http://schemas.openxmlformats.org/officeDocument/2006/relationships" xmlns:p="http://schemas.openxmlformats.org/presentationml/2006/main">
+  <p:cSld>
+    <p:spTree>
+      <p:nvGrpSpPr>
+        <p:cNvPr id="1" name=""/>
+        <p:cNvGrpSpPr/>
+        <p:nvPr/>
+      </p:nvGrpSpPr>
+      <p:grpSpPr>
+        <a:xfrm>
+          <a:off x="0" y="0"/>
+          <a:ext cx="0" cy="0"/>
+          <a:chOff x="0" y="0"/>
+          <a:chExt cx="0" cy="0"/>
+        </a:xfrm>
+      </p:grpSpPr>
+      <p:sp>
+        <p:nvSpPr>
+          <p:cNvPr id="2" name="Título 1"/>
+          <p:cNvSpPr>
+            <a:spLocks noGrp="1"/>
+          </p:cNvSpPr>
+          <p:nvPr>
+            <p:ph type="title"/>
+          </p:nvPr>
+        </p:nvSpPr>
+        <p:spPr/>
+        <p:txBody>
+          <a:bodyPr/>
+          <a:lstStyle/>
+          <a:p>
+            <a:r>
               <a:rPr lang="pt-BR" dirty="0"/>
               <a:t>Exemplos Adicionais</a:t>
             </a:r>
@@ -12105,7 +12405,7 @@
               <a:pPr>
                 <a:defRPr/>
               </a:pPr>
-              <a:t>41</a:t>
+              <a:t>43</a:t>
             </a:fld>
             <a:endParaRPr lang="en-US"/>
           </a:p>
